--- a/Lectures/Dissolved Chemicals.pptx
+++ b/Lectures/Dissolved Chemicals.pptx
@@ -108,6 +108,11 @@
       </a:defRPr>
     </a:lvl9pPr>
   </p:defaultTextStyle>
+  <p:extLst>
+    <p:ext uri="{EFAFB233-063F-42B5-8137-9DF3F51BA10A}">
+      <p15:sldGuideLst xmlns:p15="http://schemas.microsoft.com/office/powerpoint/2012/main"/>
+    </p:ext>
+  </p:extLst>
 </p:presentation>
 </file>
 
@@ -185,7 +190,7 @@
           <a:p>
             <a:fld id="{C95CED01-24E4-4C43-912C-6F6D3D954174}" type="datetimeFigureOut">
               <a:rPr lang="en-US" smtClean="0"/>
-              <a:t>6/12/2019</a:t>
+              <a:t>1/2/2020</a:t>
             </a:fld>
             <a:endParaRPr lang="en-US"/>
           </a:p>
@@ -2980,7 +2985,7 @@
           <a:p>
             <a:fld id="{C95CED01-24E4-4C43-912C-6F6D3D954174}" type="datetimeFigureOut">
               <a:rPr lang="en-US" smtClean="0"/>
-              <a:t>6/12/2019</a:t>
+              <a:t>1/2/2020</a:t>
             </a:fld>
             <a:endParaRPr lang="en-US"/>
           </a:p>
@@ -3401,7 +3406,7 @@
           <a:p>
             <a:fld id="{C95CED01-24E4-4C43-912C-6F6D3D954174}" type="datetimeFigureOut">
               <a:rPr lang="en-US" smtClean="0"/>
-              <a:t>6/12/2019</a:t>
+              <a:t>1/2/2020</a:t>
             </a:fld>
             <a:endParaRPr lang="en-US"/>
           </a:p>
@@ -3843,7 +3848,7 @@
           <a:p>
             <a:fld id="{C95CED01-24E4-4C43-912C-6F6D3D954174}" type="datetimeFigureOut">
               <a:rPr lang="en-US" smtClean="0"/>
-              <a:t>6/12/2019</a:t>
+              <a:t>1/2/2020</a:t>
             </a:fld>
             <a:endParaRPr lang="en-US"/>
           </a:p>
@@ -3976,7 +3981,7 @@
           <a:p>
             <a:fld id="{C95CED01-24E4-4C43-912C-6F6D3D954174}" type="datetimeFigureOut">
               <a:rPr lang="en-US" smtClean="0"/>
-              <a:t>6/12/2019</a:t>
+              <a:t>1/2/2020</a:t>
             </a:fld>
             <a:endParaRPr lang="en-US"/>
           </a:p>
@@ -4086,7 +4091,7 @@
           <a:p>
             <a:fld id="{C95CED01-24E4-4C43-912C-6F6D3D954174}" type="datetimeFigureOut">
               <a:rPr lang="en-US" smtClean="0"/>
-              <a:t>6/12/2019</a:t>
+              <a:t>1/2/2020</a:t>
             </a:fld>
             <a:endParaRPr lang="en-US"/>
           </a:p>
@@ -4232,7 +4237,7 @@
           <a:p>
             <a:fld id="{C95CED01-24E4-4C43-912C-6F6D3D954174}" type="datetimeFigureOut">
               <a:rPr lang="en-US" smtClean="0"/>
-              <a:t>6/12/2019</a:t>
+              <a:t>1/2/2020</a:t>
             </a:fld>
             <a:endParaRPr lang="en-US"/>
           </a:p>
@@ -4985,7 +4990,7 @@
           <a:p>
             <a:fld id="{C95CED01-24E4-4C43-912C-6F6D3D954174}" type="datetimeFigureOut">
               <a:rPr lang="en-US" smtClean="0"/>
-              <a:t>6/12/2019</a:t>
+              <a:t>1/2/2020</a:t>
             </a:fld>
             <a:endParaRPr lang="en-US"/>
           </a:p>
@@ -7818,10 +7823,66 @@
           <a:lstStyle/>
           <a:p>
             <a:r>
+              <a:rPr lang="en-US" dirty="0"/>
+              <a:t>Advanced Treatment Technologies (focus on dissolved species and chemicals)</a:t>
+            </a:r>
+            <a:endParaRPr lang="en-US" dirty="0"/>
+          </a:p>
+        </p:txBody>
+      </p:sp>
+      <p:sp>
+        <p:nvSpPr>
+          <p:cNvPr id="3" name="Content Placeholder 2"/>
+          <p:cNvSpPr>
+            <a:spLocks noGrp="1"/>
+          </p:cNvSpPr>
+          <p:nvPr>
+            <p:ph idx="1"/>
+          </p:nvPr>
+        </p:nvSpPr>
+        <p:spPr/>
+        <p:txBody>
+          <a:bodyPr/>
+          <a:lstStyle/>
+          <a:p>
+            <a:r>
               <a:rPr lang="en-US" dirty="0" smtClean="0"/>
-              <a:t>Unit Processes</a:t>
-            </a:r>
-            <a:endParaRPr lang="en-US" dirty="0"/>
+              <a:t>Granular </a:t>
+            </a:r>
+            <a:r>
+              <a:rPr lang="en-US" dirty="0"/>
+              <a:t>Activated Carbon (Chapter 15)</a:t>
+            </a:r>
+          </a:p>
+          <a:p>
+            <a:r>
+              <a:rPr lang="en-US" dirty="0" smtClean="0"/>
+              <a:t>Ion </a:t>
+            </a:r>
+            <a:r>
+              <a:rPr lang="en-US" dirty="0"/>
+              <a:t>Exchange Resins (Chapter 16)</a:t>
+            </a:r>
+          </a:p>
+          <a:p>
+            <a:r>
+              <a:rPr lang="en-US" dirty="0" smtClean="0"/>
+              <a:t>High </a:t>
+            </a:r>
+            <a:r>
+              <a:rPr lang="en-US" dirty="0"/>
+              <a:t>Pressure Membranes (Chapter 17)</a:t>
+            </a:r>
+          </a:p>
+          <a:p>
+            <a:r>
+              <a:rPr lang="en-US" dirty="0" smtClean="0"/>
+              <a:t>Advanced </a:t>
+            </a:r>
+            <a:r>
+              <a:rPr lang="en-US" dirty="0"/>
+              <a:t>Oxidation Process (Chapter 18)</a:t>
+            </a:r>
           </a:p>
         </p:txBody>
       </p:sp>

--- a/Lectures/Dissolved Chemicals.pptx
+++ b/Lectures/Dissolved Chemicals.pptx
@@ -190,7 +190,7 @@
           <a:p>
             <a:fld id="{C95CED01-24E4-4C43-912C-6F6D3D954174}" type="datetimeFigureOut">
               <a:rPr lang="en-US" smtClean="0"/>
-              <a:t>1/2/2020</a:t>
+              <a:t>2/5/2020</a:t>
             </a:fld>
             <a:endParaRPr lang="en-US"/>
           </a:p>
@@ -2985,7 +2985,7 @@
           <a:p>
             <a:fld id="{C95CED01-24E4-4C43-912C-6F6D3D954174}" type="datetimeFigureOut">
               <a:rPr lang="en-US" smtClean="0"/>
-              <a:t>1/2/2020</a:t>
+              <a:t>2/5/2020</a:t>
             </a:fld>
             <a:endParaRPr lang="en-US"/>
           </a:p>
@@ -3406,7 +3406,7 @@
           <a:p>
             <a:fld id="{C95CED01-24E4-4C43-912C-6F6D3D954174}" type="datetimeFigureOut">
               <a:rPr lang="en-US" smtClean="0"/>
-              <a:t>1/2/2020</a:t>
+              <a:t>2/5/2020</a:t>
             </a:fld>
             <a:endParaRPr lang="en-US"/>
           </a:p>
@@ -3848,7 +3848,7 @@
           <a:p>
             <a:fld id="{C95CED01-24E4-4C43-912C-6F6D3D954174}" type="datetimeFigureOut">
               <a:rPr lang="en-US" smtClean="0"/>
-              <a:t>1/2/2020</a:t>
+              <a:t>2/5/2020</a:t>
             </a:fld>
             <a:endParaRPr lang="en-US"/>
           </a:p>
@@ -3981,7 +3981,7 @@
           <a:p>
             <a:fld id="{C95CED01-24E4-4C43-912C-6F6D3D954174}" type="datetimeFigureOut">
               <a:rPr lang="en-US" smtClean="0"/>
-              <a:t>1/2/2020</a:t>
+              <a:t>2/5/2020</a:t>
             </a:fld>
             <a:endParaRPr lang="en-US"/>
           </a:p>
@@ -4091,7 +4091,7 @@
           <a:p>
             <a:fld id="{C95CED01-24E4-4C43-912C-6F6D3D954174}" type="datetimeFigureOut">
               <a:rPr lang="en-US" smtClean="0"/>
-              <a:t>1/2/2020</a:t>
+              <a:t>2/5/2020</a:t>
             </a:fld>
             <a:endParaRPr lang="en-US"/>
           </a:p>
@@ -4237,7 +4237,7 @@
           <a:p>
             <a:fld id="{C95CED01-24E4-4C43-912C-6F6D3D954174}" type="datetimeFigureOut">
               <a:rPr lang="en-US" smtClean="0"/>
-              <a:t>1/2/2020</a:t>
+              <a:t>2/5/2020</a:t>
             </a:fld>
             <a:endParaRPr lang="en-US"/>
           </a:p>
@@ -4990,7 +4990,7 @@
           <a:p>
             <a:fld id="{C95CED01-24E4-4C43-912C-6F6D3D954174}" type="datetimeFigureOut">
               <a:rPr lang="en-US" smtClean="0"/>
-              <a:t>1/2/2020</a:t>
+              <a:t>2/5/2020</a:t>
             </a:fld>
             <a:endParaRPr lang="en-US"/>
           </a:p>
@@ -7826,7 +7826,6 @@
               <a:rPr lang="en-US" dirty="0"/>
               <a:t>Advanced Treatment Technologies (focus on dissolved species and chemicals)</a:t>
             </a:r>
-            <a:endParaRPr lang="en-US" dirty="0"/>
           </a:p>
         </p:txBody>
       </p:sp>
